--- a/ICT/ICT/ICT slides/Lecture 6 slides (ICT).pptx
+++ b/ICT/ICT/ICT slides/Lecture 6 slides (ICT).pptx
@@ -216,7 +216,7 @@
           <a:p>
             <a:fld id="{1FB87873-B5E4-4AA6-9C7E-A90751762863}" type="datetimeFigureOut">
               <a:rPr lang="en-PK" smtClean="0"/>
-              <a:t>14/11/2024</a:t>
+              <a:t>04/16/2025</a:t>
             </a:fld>
             <a:endParaRPr lang="en-PK"/>
           </a:p>
@@ -670,7 +670,7 @@
           <a:p>
             <a:fld id="{285CCA55-E385-4BD4-8F8C-55EEF080A453}" type="datetimeFigureOut">
               <a:rPr lang="en-PK" smtClean="0"/>
-              <a:t>14/11/2024</a:t>
+              <a:t>04/16/2025</a:t>
             </a:fld>
             <a:endParaRPr lang="en-PK"/>
           </a:p>
@@ -945,7 +945,7 @@
           <a:p>
             <a:fld id="{285CCA55-E385-4BD4-8F8C-55EEF080A453}" type="datetimeFigureOut">
               <a:rPr lang="en-PK" smtClean="0"/>
-              <a:t>14/11/2024</a:t>
+              <a:t>04/16/2025</a:t>
             </a:fld>
             <a:endParaRPr lang="en-PK"/>
           </a:p>
@@ -1139,7 +1139,7 @@
           <a:p>
             <a:fld id="{285CCA55-E385-4BD4-8F8C-55EEF080A453}" type="datetimeFigureOut">
               <a:rPr lang="en-PK" smtClean="0"/>
-              <a:t>14/11/2024</a:t>
+              <a:t>04/16/2025</a:t>
             </a:fld>
             <a:endParaRPr lang="en-PK"/>
           </a:p>
@@ -1412,7 +1412,7 @@
           <a:p>
             <a:fld id="{285CCA55-E385-4BD4-8F8C-55EEF080A453}" type="datetimeFigureOut">
               <a:rPr lang="en-PK" smtClean="0"/>
-              <a:t>14/11/2024</a:t>
+              <a:t>04/16/2025</a:t>
             </a:fld>
             <a:endParaRPr lang="en-PK"/>
           </a:p>
@@ -1753,7 +1753,7 @@
           <a:p>
             <a:fld id="{285CCA55-E385-4BD4-8F8C-55EEF080A453}" type="datetimeFigureOut">
               <a:rPr lang="en-PK" smtClean="0"/>
-              <a:t>14/11/2024</a:t>
+              <a:t>04/16/2025</a:t>
             </a:fld>
             <a:endParaRPr lang="en-PK"/>
           </a:p>
@@ -2376,7 +2376,7 @@
           <a:p>
             <a:fld id="{285CCA55-E385-4BD4-8F8C-55EEF080A453}" type="datetimeFigureOut">
               <a:rPr lang="en-PK" smtClean="0"/>
-              <a:t>14/11/2024</a:t>
+              <a:t>04/16/2025</a:t>
             </a:fld>
             <a:endParaRPr lang="en-PK"/>
           </a:p>
@@ -3236,7 +3236,7 @@
           <a:p>
             <a:fld id="{285CCA55-E385-4BD4-8F8C-55EEF080A453}" type="datetimeFigureOut">
               <a:rPr lang="en-PK" smtClean="0"/>
-              <a:t>14/11/2024</a:t>
+              <a:t>04/16/2025</a:t>
             </a:fld>
             <a:endParaRPr lang="en-PK"/>
           </a:p>
@@ -3406,7 +3406,7 @@
           <a:p>
             <a:fld id="{285CCA55-E385-4BD4-8F8C-55EEF080A453}" type="datetimeFigureOut">
               <a:rPr lang="en-PK" smtClean="0"/>
-              <a:t>14/11/2024</a:t>
+              <a:t>04/16/2025</a:t>
             </a:fld>
             <a:endParaRPr lang="en-PK"/>
           </a:p>
@@ -3586,7 +3586,7 @@
           <a:p>
             <a:fld id="{285CCA55-E385-4BD4-8F8C-55EEF080A453}" type="datetimeFigureOut">
               <a:rPr lang="en-PK" smtClean="0"/>
-              <a:t>14/11/2024</a:t>
+              <a:t>04/16/2025</a:t>
             </a:fld>
             <a:endParaRPr lang="en-PK"/>
           </a:p>
@@ -3756,7 +3756,7 @@
           <a:p>
             <a:fld id="{285CCA55-E385-4BD4-8F8C-55EEF080A453}" type="datetimeFigureOut">
               <a:rPr lang="en-PK" smtClean="0"/>
-              <a:t>14/11/2024</a:t>
+              <a:t>04/16/2025</a:t>
             </a:fld>
             <a:endParaRPr lang="en-PK"/>
           </a:p>
@@ -4003,7 +4003,7 @@
           <a:p>
             <a:fld id="{285CCA55-E385-4BD4-8F8C-55EEF080A453}" type="datetimeFigureOut">
               <a:rPr lang="en-PK" smtClean="0"/>
-              <a:t>14/11/2024</a:t>
+              <a:t>04/16/2025</a:t>
             </a:fld>
             <a:endParaRPr lang="en-PK"/>
           </a:p>
@@ -4295,7 +4295,7 @@
           <a:p>
             <a:fld id="{285CCA55-E385-4BD4-8F8C-55EEF080A453}" type="datetimeFigureOut">
               <a:rPr lang="en-PK" smtClean="0"/>
-              <a:t>14/11/2024</a:t>
+              <a:t>04/16/2025</a:t>
             </a:fld>
             <a:endParaRPr lang="en-PK"/>
           </a:p>
@@ -4739,7 +4739,7 @@
           <a:p>
             <a:fld id="{285CCA55-E385-4BD4-8F8C-55EEF080A453}" type="datetimeFigureOut">
               <a:rPr lang="en-PK" smtClean="0"/>
-              <a:t>14/11/2024</a:t>
+              <a:t>04/16/2025</a:t>
             </a:fld>
             <a:endParaRPr lang="en-PK"/>
           </a:p>
@@ -4857,7 +4857,7 @@
           <a:p>
             <a:fld id="{285CCA55-E385-4BD4-8F8C-55EEF080A453}" type="datetimeFigureOut">
               <a:rPr lang="en-PK" smtClean="0"/>
-              <a:t>14/11/2024</a:t>
+              <a:t>04/16/2025</a:t>
             </a:fld>
             <a:endParaRPr lang="en-PK"/>
           </a:p>
@@ -4952,7 +4952,7 @@
           <a:p>
             <a:fld id="{285CCA55-E385-4BD4-8F8C-55EEF080A453}" type="datetimeFigureOut">
               <a:rPr lang="en-PK" smtClean="0"/>
-              <a:t>14/11/2024</a:t>
+              <a:t>04/16/2025</a:t>
             </a:fld>
             <a:endParaRPr lang="en-PK"/>
           </a:p>
@@ -5231,7 +5231,7 @@
           <a:p>
             <a:fld id="{285CCA55-E385-4BD4-8F8C-55EEF080A453}" type="datetimeFigureOut">
               <a:rPr lang="en-PK" smtClean="0"/>
-              <a:t>14/11/2024</a:t>
+              <a:t>04/16/2025</a:t>
             </a:fld>
             <a:endParaRPr lang="en-PK"/>
           </a:p>
@@ -5506,7 +5506,7 @@
           <a:p>
             <a:fld id="{285CCA55-E385-4BD4-8F8C-55EEF080A453}" type="datetimeFigureOut">
               <a:rPr lang="en-PK" smtClean="0"/>
-              <a:t>14/11/2024</a:t>
+              <a:t>04/16/2025</a:t>
             </a:fld>
             <a:endParaRPr lang="en-PK"/>
           </a:p>
@@ -5935,7 +5935,7 @@
           <a:p>
             <a:fld id="{285CCA55-E385-4BD4-8F8C-55EEF080A453}" type="datetimeFigureOut">
               <a:rPr lang="en-PK" smtClean="0"/>
-              <a:t>14/11/2024</a:t>
+              <a:t>04/16/2025</a:t>
             </a:fld>
             <a:endParaRPr lang="en-PK"/>
           </a:p>
